--- a/cache/986fc832-6af2-417c-8845-9272b3a1528b/154_3.pptx
+++ b/cache/986fc832-6af2-417c-8845-9272b3a1528b/154_3.pptx
@@ -63,7 +63,7 @@
         <p:txBody>
           <a:bodyPr/>
           <a:p>
-            <a:fld id="{035A0765-F448-4D98-B5DA-9D0E0BB27059}" type="slidenum">
+            <a:fld id="{677929B3-6929-42CA-A8CD-16583F3855A3}" type="slidenum">
               <a:t>&lt;#&gt;</a:t>
             </a:fld>
           </a:p>
@@ -251,7 +251,7 @@
         <p:txBody>
           <a:bodyPr/>
           <a:p>
-            <a:fld id="{081743AB-279E-47A9-8688-022458BB7BAA}" type="slidenum">
+            <a:fld id="{9A1B0EB0-E3AA-4FA5-ABA2-C914AEF72AD8}" type="slidenum">
               <a:t>&lt;#&gt;</a:t>
             </a:fld>
           </a:p>
@@ -507,7 +507,7 @@
         <p:txBody>
           <a:bodyPr/>
           <a:p>
-            <a:fld id="{0424C1DE-C3F3-46CE-BF7F-697BEF463F37}" type="slidenum">
+            <a:fld id="{77858344-DD6E-4BE2-8746-31C2E8C2A214}" type="slidenum">
               <a:t>&lt;#&gt;</a:t>
             </a:fld>
           </a:p>
@@ -831,7 +831,7 @@
         <p:txBody>
           <a:bodyPr/>
           <a:p>
-            <a:fld id="{AE85F807-1709-4A88-B9FC-4D365D1488E7}" type="slidenum">
+            <a:fld id="{56DFCC72-3177-4631-9A1D-25B48210241D}" type="slidenum">
               <a:t>&lt;#&gt;</a:t>
             </a:fld>
           </a:p>
@@ -988,7 +988,7 @@
         <p:txBody>
           <a:bodyPr/>
           <a:p>
-            <a:fld id="{B3A96FC6-391B-429D-AED1-CEEDCA7B345C}" type="slidenum">
+            <a:fld id="{751D383E-1F42-4531-A498-24E1DDDCEAB2}" type="slidenum">
               <a:t>&lt;#&gt;</a:t>
             </a:fld>
           </a:p>
@@ -1142,7 +1142,7 @@
         <p:txBody>
           <a:bodyPr/>
           <a:p>
-            <a:fld id="{DDB97C1E-8C98-4355-AB35-74A1E55EDCBF}" type="slidenum">
+            <a:fld id="{CE613861-B5EB-4788-8A17-2A38C18C66E0}" type="slidenum">
               <a:t>&lt;#&gt;</a:t>
             </a:fld>
           </a:p>
@@ -1330,7 +1330,7 @@
         <p:txBody>
           <a:bodyPr/>
           <a:p>
-            <a:fld id="{FD17130C-10EB-4CC0-9837-66FD83DDDB2F}" type="slidenum">
+            <a:fld id="{CCEDAE61-FC13-4F46-9B0F-9EF17E90EE5F}" type="slidenum">
               <a:t>&lt;#&gt;</a:t>
             </a:fld>
           </a:p>
@@ -1450,7 +1450,7 @@
         <p:txBody>
           <a:bodyPr/>
           <a:p>
-            <a:fld id="{C48CD0BC-4E01-47E5-8446-E0F69591DDF8}" type="slidenum">
+            <a:fld id="{8AC74239-98AB-4D56-AB2A-0A2760DBF161}" type="slidenum">
               <a:t>&lt;#&gt;</a:t>
             </a:fld>
           </a:p>
@@ -1570,7 +1570,7 @@
         <p:txBody>
           <a:bodyPr/>
           <a:p>
-            <a:fld id="{82D5B261-7423-4F4E-A056-61FB7686B1B1}" type="slidenum">
+            <a:fld id="{7E0EDDB3-BEEF-4CFE-9066-F176C4131AE4}" type="slidenum">
               <a:t>&lt;#&gt;</a:t>
             </a:fld>
           </a:p>
@@ -1792,7 +1792,7 @@
         <p:txBody>
           <a:bodyPr/>
           <a:p>
-            <a:fld id="{1052FD76-A3AA-44C2-AEE3-38620C4A7139}" type="slidenum">
+            <a:fld id="{53047BA4-E47F-4939-840D-C88C12F27869}" type="slidenum">
               <a:t>&lt;#&gt;</a:t>
             </a:fld>
           </a:p>
@@ -2014,7 +2014,7 @@
         <p:txBody>
           <a:bodyPr/>
           <a:p>
-            <a:fld id="{3547E558-3593-41EA-8438-E9E55F66E230}" type="slidenum">
+            <a:fld id="{DEA724D2-0811-4E0F-AB26-EDDD6E2ABBE9}" type="slidenum">
               <a:t>&lt;#&gt;</a:t>
             </a:fld>
           </a:p>
@@ -2236,7 +2236,7 @@
         <p:txBody>
           <a:bodyPr/>
           <a:p>
-            <a:fld id="{EEA39D23-78E5-4EC8-BF56-389F86997003}" type="slidenum">
+            <a:fld id="{66C3E674-3610-4B47-8548-CADCB1A36EFD}" type="slidenum">
               <a:t>&lt;#&gt;</a:t>
             </a:fld>
           </a:p>
@@ -2397,7 +2397,7 @@
               </a:lnSpc>
               <a:buNone/>
             </a:pPr>
-            <a:fld id="{E8CCBC37-2863-48AB-A8A9-A0B74ADC5990}" type="slidenum">
+            <a:fld id="{3505C867-8973-4E5D-8AEC-576A88A7F979}" type="slidenum">
               <a:rPr b="0" lang="en-US" sz="1200" spc="-1" strike="noStrike">
                 <a:solidFill>
                   <a:srgbClr val="8b8b8b"/>
@@ -2757,11 +2757,10 @@
               <a:buNone/>
             </a:pPr>
             <a:r>
-              <a:rPr b="1" lang="en-US" sz="4400" spc="-1" strike="noStrike" u="sng">
+              <a:rPr b="1" lang="en-US" sz="4400" spc="-1" strike="noStrike">
                 <a:solidFill>
                   <a:srgbClr val="000000"/>
                 </a:solidFill>
-                <a:uFillTx/>
                 <a:latin typeface="Calibri"/>
               </a:rPr>
               <a:t>GPT</a:t>
@@ -2814,18 +2813,20 @@
               <a:buChar char="•"/>
             </a:pPr>
             <a:r>
-              <a:rPr b="0" lang="en-US" sz="3200" spc="-1" strike="noStrike">
+              <a:rPr b="0" lang="en-US" sz="3200" spc="-1" strike="noStrike" u="sng">
                 <a:solidFill>
                   <a:srgbClr val="bf0041"/>
                 </a:solidFill>
+                <a:uFillTx/>
                 <a:latin typeface="Calibri"/>
               </a:rPr>
               <a:t>Generative Pre-trained Transformer 3 (GPT-3) is an autoregressive language model released in 2020 that uses deep learning to produce human-like text.</a:t>
             </a:r>
-            <a:endParaRPr b="0" lang="en-HK" sz="3200" spc="-1" strike="noStrike">
+            <a:endParaRPr b="0" lang="en-HK" sz="3200" spc="-1" strike="noStrike" u="sng">
               <a:solidFill>
                 <a:srgbClr val="bf0041"/>
               </a:solidFill>
+              <a:uFillTx/>
               <a:latin typeface="Arial"/>
             </a:endParaRPr>
           </a:p>
@@ -2863,18 +2864,20 @@
                         <a:buNone/>
                       </a:pPr>
                       <a:r>
-                        <a:rPr b="0" lang="en-US" sz="1800" spc="-1" strike="noStrike">
+                        <a:rPr b="0" lang="en-US" sz="1800" spc="-1" strike="noStrike" u="sng">
                           <a:solidFill>
-                            <a:srgbClr val="2a6099"/>
+                            <a:srgbClr val="bf0041"/>
                           </a:solidFill>
+                          <a:uFillTx/>
                           <a:latin typeface="Calibri"/>
                         </a:rPr>
                         <a:t>Model Name</a:t>
                       </a:r>
-                      <a:endParaRPr b="0" lang="en-HK" sz="1800" spc="-1" strike="noStrike">
+                      <a:endParaRPr b="0" lang="en-HK" sz="1800" spc="-1" strike="noStrike" u="sng">
                         <a:solidFill>
-                          <a:srgbClr val="2a6099"/>
+                          <a:srgbClr val="bf0041"/>
                         </a:solidFill>
+                        <a:uFillTx/>
                         <a:latin typeface="Arial"/>
                       </a:endParaRPr>
                     </a:p>
@@ -2918,18 +2921,20 @@
                         <a:buNone/>
                       </a:pPr>
                       <a:r>
-                        <a:rPr b="0" lang="en-US" sz="1800" spc="-1" strike="noStrike">
+                        <a:rPr b="0" lang="en-US" sz="1800" spc="-1" strike="noStrike" u="sng">
                           <a:solidFill>
-                            <a:srgbClr val="2a6099"/>
+                            <a:srgbClr val="bf0041"/>
                           </a:solidFill>
+                          <a:uFillTx/>
                           <a:latin typeface="Calibri"/>
                         </a:rPr>
                         <a:t>ChatGPT</a:t>
                       </a:r>
-                      <a:endParaRPr b="0" lang="en-HK" sz="1800" spc="-1" strike="noStrike">
+                      <a:endParaRPr b="0" lang="en-HK" sz="1800" spc="-1" strike="noStrike" u="sng">
                         <a:solidFill>
-                          <a:srgbClr val="2a6099"/>
+                          <a:srgbClr val="bf0041"/>
                         </a:solidFill>
+                        <a:uFillTx/>
                         <a:latin typeface="Arial"/>
                       </a:endParaRPr>
                     </a:p>
@@ -2975,18 +2980,20 @@
                         <a:buNone/>
                       </a:pPr>
                       <a:r>
-                        <a:rPr b="0" lang="en-US" sz="1800" spc="-1" strike="noStrike">
+                        <a:rPr b="0" lang="en-US" sz="1800" spc="-1" strike="noStrike" u="sng">
                           <a:solidFill>
-                            <a:srgbClr val="2a6099"/>
+                            <a:srgbClr val="bf0041"/>
                           </a:solidFill>
+                          <a:uFillTx/>
                           <a:latin typeface="Calibri"/>
                         </a:rPr>
                         <a:t>Architecture</a:t>
                       </a:r>
-                      <a:endParaRPr b="0" lang="en-HK" sz="1800" spc="-1" strike="noStrike">
+                      <a:endParaRPr b="0" lang="en-HK" sz="1800" spc="-1" strike="noStrike" u="sng">
                         <a:solidFill>
-                          <a:srgbClr val="2a6099"/>
+                          <a:srgbClr val="bf0041"/>
                         </a:solidFill>
+                        <a:uFillTx/>
                         <a:latin typeface="Arial"/>
                       </a:endParaRPr>
                     </a:p>
@@ -3030,18 +3037,20 @@
                         <a:buNone/>
                       </a:pPr>
                       <a:r>
-                        <a:rPr b="0" lang="en-US" sz="1800" spc="-1" strike="noStrike">
+                        <a:rPr b="0" lang="en-US" sz="1800" spc="-1" strike="noStrike" u="sng">
                           <a:solidFill>
-                            <a:srgbClr val="2a6099"/>
+                            <a:srgbClr val="bf0041"/>
                           </a:solidFill>
+                          <a:uFillTx/>
                           <a:latin typeface="Calibri"/>
                         </a:rPr>
                         <a:t>GPT (Generative Pre-trained Transformer)</a:t>
                       </a:r>
-                      <a:endParaRPr b="0" lang="en-HK" sz="1800" spc="-1" strike="noStrike">
+                      <a:endParaRPr b="0" lang="en-HK" sz="1800" spc="-1" strike="noStrike" u="sng">
                         <a:solidFill>
-                          <a:srgbClr val="2a6099"/>
+                          <a:srgbClr val="bf0041"/>
                         </a:solidFill>
+                        <a:uFillTx/>
                         <a:latin typeface="Arial"/>
                       </a:endParaRPr>
                     </a:p>
@@ -3087,18 +3096,20 @@
                         <a:buNone/>
                       </a:pPr>
                       <a:r>
-                        <a:rPr b="0" lang="en-US" sz="1800" spc="-1" strike="noStrike">
+                        <a:rPr b="0" lang="en-US" sz="1800" spc="-1" strike="noStrike" u="sng">
                           <a:solidFill>
-                            <a:srgbClr val="2a6099"/>
+                            <a:srgbClr val="bf0041"/>
                           </a:solidFill>
+                          <a:uFillTx/>
                           <a:latin typeface="Calibri"/>
                         </a:rPr>
                         <a:t>Training Data Size</a:t>
                       </a:r>
-                      <a:endParaRPr b="0" lang="en-HK" sz="1800" spc="-1" strike="noStrike">
+                      <a:endParaRPr b="0" lang="en-HK" sz="1800" spc="-1" strike="noStrike" u="sng">
                         <a:solidFill>
-                          <a:srgbClr val="2a6099"/>
+                          <a:srgbClr val="bf0041"/>
                         </a:solidFill>
+                        <a:uFillTx/>
                         <a:latin typeface="Arial"/>
                       </a:endParaRPr>
                     </a:p>
@@ -3142,18 +3153,20 @@
                         <a:buNone/>
                       </a:pPr>
                       <a:r>
-                        <a:rPr b="0" lang="en-US" sz="1800" spc="-1" strike="noStrike">
+                        <a:rPr b="0" lang="en-US" sz="1800" spc="-1" strike="noStrike" u="sng">
                           <a:solidFill>
-                            <a:srgbClr val="2a6099"/>
+                            <a:srgbClr val="bf0041"/>
                           </a:solidFill>
+                          <a:uFillTx/>
                           <a:latin typeface="Calibri"/>
                         </a:rPr>
                         <a:t>Multiple terabytes of diverse text data</a:t>
                       </a:r>
-                      <a:endParaRPr b="0" lang="en-HK" sz="1800" spc="-1" strike="noStrike">
+                      <a:endParaRPr b="0" lang="en-HK" sz="1800" spc="-1" strike="noStrike" u="sng">
                         <a:solidFill>
-                          <a:srgbClr val="2a6099"/>
+                          <a:srgbClr val="bf0041"/>
                         </a:solidFill>
+                        <a:uFillTx/>
                         <a:latin typeface="Arial"/>
                       </a:endParaRPr>
                     </a:p>
